--- a/Impact of Computer Improvements on the Medical Field.pptx
+++ b/Impact of Computer Improvements on the Medical Field.pptx
@@ -9,11 +9,6 @@
     <p:sldId id="257" r:id="rId6"/>
     <p:sldId id="258" r:id="rId7"/>
     <p:sldId id="261" r:id="rId8"/>
-    <p:sldId id="259" r:id="rId9"/>
-    <p:sldId id="262" r:id="rId10"/>
-    <p:sldId id="263" r:id="rId11"/>
-    <p:sldId id="264" r:id="rId12"/>
-    <p:sldId id="265" r:id="rId13"/>
   </p:sldIdLst>
   <p:sldSz cx="12192000" cy="6858000"/>
   <p:notesSz cx="6858000" cy="9144000"/>
@@ -850,7 +845,7 @@
           <a:p>
             <a:fld id="{92538219-6E45-4D12-B767-46F92D5844D4}" type="datetime1">
               <a:rPr lang="en-US" smtClean="0"/>
-              <a:t>8/9/2024</a:t>
+              <a:t>8/13/2024</a:t>
             </a:fld>
             <a:endParaRPr lang="en-US"/>
           </a:p>
@@ -1101,7 +1096,7 @@
           <a:p>
             <a:fld id="{51FC8E16-3C03-4238-9C6F-B34F3D10F77E}" type="datetime1">
               <a:rPr lang="en-US" smtClean="0"/>
-              <a:t>8/9/2024</a:t>
+              <a:t>8/13/2024</a:t>
             </a:fld>
             <a:endParaRPr lang="en-US" dirty="0"/>
           </a:p>
@@ -1417,7 +1412,7 @@
           <a:p>
             <a:fld id="{51FC8E16-3C03-4238-9C6F-B34F3D10F77E}" type="datetime1">
               <a:rPr lang="en-US" smtClean="0"/>
-              <a:t>8/9/2024</a:t>
+              <a:t>8/13/2024</a:t>
             </a:fld>
             <a:endParaRPr lang="en-US" dirty="0"/>
           </a:p>
@@ -1760,7 +1755,7 @@
           <a:p>
             <a:fld id="{51FC8E16-3C03-4238-9C6F-B34F3D10F77E}" type="datetime1">
               <a:rPr lang="en-US" smtClean="0"/>
-              <a:t>8/9/2024</a:t>
+              <a:t>8/13/2024</a:t>
             </a:fld>
             <a:endParaRPr lang="en-US" dirty="0"/>
           </a:p>
@@ -2076,7 +2071,7 @@
           <a:p>
             <a:fld id="{51FC8E16-3C03-4238-9C6F-B34F3D10F77E}" type="datetime1">
               <a:rPr lang="en-US" smtClean="0"/>
-              <a:t>8/9/2024</a:t>
+              <a:t>8/13/2024</a:t>
             </a:fld>
             <a:endParaRPr lang="en-US" dirty="0"/>
           </a:p>
@@ -2471,7 +2466,7 @@
           <a:p>
             <a:fld id="{51FC8E16-3C03-4238-9C6F-B34F3D10F77E}" type="datetime1">
               <a:rPr lang="en-US" smtClean="0"/>
-              <a:t>8/9/2024</a:t>
+              <a:t>8/13/2024</a:t>
             </a:fld>
             <a:endParaRPr lang="en-US" dirty="0"/>
           </a:p>
@@ -2643,7 +2638,7 @@
           <a:p>
             <a:fld id="{836430B8-6059-41E5-A5DC-C07A76F5859A}" type="datetime1">
               <a:rPr lang="en-US" smtClean="0"/>
-              <a:t>8/9/2024</a:t>
+              <a:t>8/13/2024</a:t>
             </a:fld>
             <a:endParaRPr lang="en-US"/>
           </a:p>
@@ -2823,7 +2818,7 @@
           <a:p>
             <a:fld id="{A09D0CB7-D16E-4358-B7F4-EA4A24554592}" type="datetime1">
               <a:rPr lang="en-US" smtClean="0"/>
-              <a:t>8/9/2024</a:t>
+              <a:t>8/13/2024</a:t>
             </a:fld>
             <a:endParaRPr lang="en-US"/>
           </a:p>
@@ -3000,7 +2995,7 @@
           <a:p>
             <a:fld id="{8BB296A2-D8F0-4E17-BFD0-A6C902250D59}" type="datetime1">
               <a:rPr lang="en-US" smtClean="0"/>
-              <a:t>8/9/2024</a:t>
+              <a:t>8/13/2024</a:t>
             </a:fld>
             <a:endParaRPr lang="en-US"/>
           </a:p>
@@ -3247,7 +3242,7 @@
           <a:p>
             <a:fld id="{D9108C9C-1ACB-4C84-A002-C7E0E45B937A}" type="datetime1">
               <a:rPr lang="en-US" smtClean="0"/>
-              <a:t>8/9/2024</a:t>
+              <a:t>8/13/2024</a:t>
             </a:fld>
             <a:endParaRPr lang="en-US"/>
           </a:p>
@@ -3479,7 +3474,7 @@
           <a:p>
             <a:fld id="{F49AF2A5-B297-4977-9E5B-4D3050E23689}" type="datetime1">
               <a:rPr lang="en-US" smtClean="0"/>
-              <a:t>8/9/2024</a:t>
+              <a:t>8/13/2024</a:t>
             </a:fld>
             <a:endParaRPr lang="en-US"/>
           </a:p>
@@ -3853,7 +3848,7 @@
           <a:p>
             <a:fld id="{70127434-4794-409A-9547-04789BA47588}" type="datetime1">
               <a:rPr lang="en-US" smtClean="0"/>
-              <a:t>8/9/2024</a:t>
+              <a:t>8/13/2024</a:t>
             </a:fld>
             <a:endParaRPr lang="en-US"/>
           </a:p>
@@ -3976,7 +3971,7 @@
           <a:p>
             <a:fld id="{85658635-357A-4E3D-B824-A5CEFDB8449C}" type="datetime1">
               <a:rPr lang="en-US" smtClean="0"/>
-              <a:t>8/9/2024</a:t>
+              <a:t>8/13/2024</a:t>
             </a:fld>
             <a:endParaRPr lang="en-US"/>
           </a:p>
@@ -4071,7 +4066,7 @@
           <a:p>
             <a:fld id="{7E86FF77-2719-4AD0-8740-0B90FF5D1EFB}" type="datetime1">
               <a:rPr lang="en-US" smtClean="0"/>
-              <a:t>8/9/2024</a:t>
+              <a:t>8/13/2024</a:t>
             </a:fld>
             <a:endParaRPr lang="en-US"/>
           </a:p>
@@ -4326,7 +4321,7 @@
           <a:p>
             <a:fld id="{6E441C83-1089-48B9-8B65-293D4C236D35}" type="datetime1">
               <a:rPr lang="en-US" smtClean="0"/>
-              <a:t>8/9/2024</a:t>
+              <a:t>8/13/2024</a:t>
             </a:fld>
             <a:endParaRPr lang="en-US"/>
           </a:p>
@@ -4589,7 +4584,7 @@
           <a:p>
             <a:fld id="{D162FE45-CC1E-47DB-8B82-6CF0636FBDB8}" type="datetime1">
               <a:rPr lang="en-US" smtClean="0"/>
-              <a:t>8/9/2024</a:t>
+              <a:t>8/13/2024</a:t>
             </a:fld>
             <a:endParaRPr lang="en-US"/>
           </a:p>
@@ -5332,7 +5327,7 @@
           <a:p>
             <a:fld id="{51FC8E16-3C03-4238-9C6F-B34F3D10F77E}" type="datetime1">
               <a:rPr lang="en-US" smtClean="0"/>
-              <a:t>8/9/2024</a:t>
+              <a:t>8/13/2024</a:t>
             </a:fld>
             <a:endParaRPr lang="en-US" dirty="0"/>
           </a:p>
@@ -6038,13 +6033,19 @@
           </a:xfrm>
         </p:spPr>
         <p:txBody>
-          <a:bodyPr/>
+          <a:bodyPr>
+            <a:normAutofit fontScale="90000"/>
+          </a:bodyPr>
           <a:lstStyle/>
           <a:p>
             <a:r>
               <a:rPr lang="en-US" dirty="0"/>
-              <a:t>Overview</a:t>
-            </a:r>
+              <a:t>Overview &amp; Inspiration</a:t>
+            </a:r>
+            <a:br>
+              <a:rPr lang="en-US" dirty="0"/>
+            </a:br>
+            <a:endParaRPr lang="en-US" dirty="0"/>
           </a:p>
         </p:txBody>
       </p:sp>
@@ -6071,7 +6072,7 @@
           <a:p>
             <a:r>
               <a:rPr lang="en-US" dirty="0"/>
-              <a:t>The goal of this presentation is to compare the rapid growth in the computer component industry to disease related statistics to uncover how the treatment and diagnoses of diseases has evolved across various countries. I will also be comparing the differences between highly developed and under-developed countries to see how much of an impact access to new tech has on the changes in disease lethality. </a:t>
+              <a:t>The goal of this presentation is to compare the rapid growth in the computer component industry to disease related statistics to uncover how the treatment and diagnoses of diseases has evolved across various countries. I will also be comparing the differences between highly developed and under-developed countries to see how much of an impact access to new tech has on the changes in disease lethality. I have always been fascinated with the rapid improvement in computer technology, and my background in the pharmaceutical field led me to questioning what kind of affect computers have had on the medical field. </a:t>
             </a:r>
           </a:p>
         </p:txBody>
@@ -6358,590 +6359,6 @@
     <p:extLst>
       <p:ext uri="{BB962C8B-B14F-4D97-AF65-F5344CB8AC3E}">
         <p14:creationId xmlns:p14="http://schemas.microsoft.com/office/powerpoint/2010/main" val="3600387384"/>
-      </p:ext>
-    </p:extLst>
-  </p:cSld>
-  <p:clrMapOvr>
-    <a:masterClrMapping/>
-  </p:clrMapOvr>
-</p:sld>
-</file>
-
-<file path=ppt/slides/slide5.xml><?xml version="1.0" encoding="utf-8"?>
-<p:sld xmlns:a="http://schemas.openxmlformats.org/drawingml/2006/main" xmlns:r="http://schemas.openxmlformats.org/officeDocument/2006/relationships" xmlns:p="http://schemas.openxmlformats.org/presentationml/2006/main">
-  <p:cSld>
-    <p:spTree>
-      <p:nvGrpSpPr>
-        <p:cNvPr id="1" name=""/>
-        <p:cNvGrpSpPr/>
-        <p:nvPr/>
-      </p:nvGrpSpPr>
-      <p:grpSpPr>
-        <a:xfrm>
-          <a:off x="0" y="0"/>
-          <a:ext cx="0" cy="0"/>
-          <a:chOff x="0" y="0"/>
-          <a:chExt cx="0" cy="0"/>
-        </a:xfrm>
-      </p:grpSpPr>
-      <p:sp>
-        <p:nvSpPr>
-          <p:cNvPr id="2" name="Title 1">
-            <a:extLst>
-              <a:ext uri="{FF2B5EF4-FFF2-40B4-BE49-F238E27FC236}">
-                <a16:creationId xmlns:a16="http://schemas.microsoft.com/office/drawing/2014/main" id="{6B508D95-C519-5ED8-D1EB-E173C6699974}"/>
-              </a:ext>
-            </a:extLst>
-          </p:cNvPr>
-          <p:cNvSpPr>
-            <a:spLocks noGrp="1"/>
-          </p:cNvSpPr>
-          <p:nvPr>
-            <p:ph type="title"/>
-          </p:nvPr>
-        </p:nvSpPr>
-        <p:spPr>
-          <a:xfrm>
-            <a:off x="2398972" y="215835"/>
-            <a:ext cx="7394053" cy="614589"/>
-          </a:xfrm>
-        </p:spPr>
-        <p:txBody>
-          <a:bodyPr>
-            <a:normAutofit fontScale="90000"/>
-          </a:bodyPr>
-          <a:lstStyle/>
-          <a:p>
-            <a:pPr algn="ctr"/>
-            <a:r>
-              <a:rPr lang="en-US" dirty="0"/>
-              <a:t>Computing Improvements</a:t>
-            </a:r>
-          </a:p>
-        </p:txBody>
-      </p:sp>
-      <mc:AlternateContent xmlns:mc="http://schemas.openxmlformats.org/markup-compatibility/2006">
-        <mc:Choice xmlns:we="http://schemas.microsoft.com/office/webextensions/webextension/2010/11" xmlns:pca="http://schemas.microsoft.com/office/powerpoint/2013/contentapp" Requires="we pca">
-          <p:graphicFrame>
-            <p:nvGraphicFramePr>
-              <p:cNvPr id="19" name="Content Placeholder 18">
-                <a:extLst>
-                  <a:ext uri="{FF2B5EF4-FFF2-40B4-BE49-F238E27FC236}">
-                    <a16:creationId xmlns:a16="http://schemas.microsoft.com/office/drawing/2014/main" id="{D04EB3A7-BD02-4B59-25A6-26F3A5230841}"/>
-                  </a:ext>
-                </a:extLst>
-              </p:cNvPr>
-              <p:cNvGraphicFramePr>
-                <a:graphicFrameLocks noGrp="1"/>
-              </p:cNvGraphicFramePr>
-              <p:nvPr>
-                <p:ph idx="1"/>
-                <p:extLst>
-                  <p:ext uri="{D42A27DB-BD31-4B8C-83A1-F6EECF244321}">
-                    <p14:modId xmlns:p14="http://schemas.microsoft.com/office/powerpoint/2010/main" val="4265560433"/>
-                  </p:ext>
-                </p:extLst>
-              </p:nvPr>
-            </p:nvGraphicFramePr>
-            <p:xfrm>
-              <a:off x="484188" y="1101012"/>
-              <a:ext cx="10869612" cy="5756988"/>
-            </p:xfrm>
-            <a:graphic>
-              <a:graphicData uri="http://schemas.microsoft.com/office/webextensions/webextension/2010/11">
-                <we:webextensionref xmlns:we="http://schemas.microsoft.com/office/webextensions/webextension/2010/11" xmlns:r="http://schemas.openxmlformats.org/officeDocument/2006/relationships" r:id="rId2"/>
-              </a:graphicData>
-            </a:graphic>
-          </p:graphicFrame>
-        </mc:Choice>
-        <mc:Fallback>
-          <p:pic>
-            <p:nvPicPr>
-              <p:cNvPr id="19" name="Content Placeholder 18">
-                <a:extLst>
-                  <a:ext uri="{FF2B5EF4-FFF2-40B4-BE49-F238E27FC236}">
-                    <a16:creationId xmlns:a16="http://schemas.microsoft.com/office/drawing/2014/main" id="{D04EB3A7-BD02-4B59-25A6-26F3A5230841}"/>
-                  </a:ext>
-                </a:extLst>
-              </p:cNvPr>
-              <p:cNvPicPr>
-                <a:picLocks noGrp="1" noRot="1" noChangeAspect="1" noMove="1" noResize="1" noEditPoints="1" noAdjustHandles="1" noChangeArrowheads="1" noChangeShapeType="1"/>
-              </p:cNvPicPr>
-              <p:nvPr/>
-            </p:nvPicPr>
-            <p:blipFill>
-              <a:blip r:embed="rId3"/>
-              <a:stretch>
-                <a:fillRect/>
-              </a:stretch>
-            </p:blipFill>
-            <p:spPr>
-              <a:xfrm>
-                <a:off x="484188" y="1101012"/>
-                <a:ext cx="10869612" cy="5756988"/>
-              </a:xfrm>
-              <a:prstGeom prst="rect">
-                <a:avLst/>
-              </a:prstGeom>
-            </p:spPr>
-          </p:pic>
-        </mc:Fallback>
-      </mc:AlternateContent>
-    </p:spTree>
-    <p:extLst>
-      <p:ext uri="{BB962C8B-B14F-4D97-AF65-F5344CB8AC3E}">
-        <p14:creationId xmlns:p14="http://schemas.microsoft.com/office/powerpoint/2010/main" val="3128534620"/>
-      </p:ext>
-    </p:extLst>
-  </p:cSld>
-  <p:clrMapOvr>
-    <a:masterClrMapping/>
-  </p:clrMapOvr>
-</p:sld>
-</file>
-
-<file path=ppt/slides/slide6.xml><?xml version="1.0" encoding="utf-8"?>
-<p:sld xmlns:a="http://schemas.openxmlformats.org/drawingml/2006/main" xmlns:r="http://schemas.openxmlformats.org/officeDocument/2006/relationships" xmlns:p="http://schemas.openxmlformats.org/presentationml/2006/main">
-  <p:cSld>
-    <p:spTree>
-      <p:nvGrpSpPr>
-        <p:cNvPr id="1" name=""/>
-        <p:cNvGrpSpPr/>
-        <p:nvPr/>
-      </p:nvGrpSpPr>
-      <p:grpSpPr>
-        <a:xfrm>
-          <a:off x="0" y="0"/>
-          <a:ext cx="0" cy="0"/>
-          <a:chOff x="0" y="0"/>
-          <a:chExt cx="0" cy="0"/>
-        </a:xfrm>
-      </p:grpSpPr>
-      <p:sp>
-        <p:nvSpPr>
-          <p:cNvPr id="2" name="Title 1">
-            <a:extLst>
-              <a:ext uri="{FF2B5EF4-FFF2-40B4-BE49-F238E27FC236}">
-                <a16:creationId xmlns:a16="http://schemas.microsoft.com/office/drawing/2014/main" id="{B6F60210-5C38-F16C-22AB-723EB3DE7770}"/>
-              </a:ext>
-            </a:extLst>
-          </p:cNvPr>
-          <p:cNvSpPr>
-            <a:spLocks noGrp="1"/>
-          </p:cNvSpPr>
-          <p:nvPr>
-            <p:ph type="title"/>
-          </p:nvPr>
-        </p:nvSpPr>
-        <p:spPr>
-          <a:xfrm>
-            <a:off x="1285520" y="363894"/>
-            <a:ext cx="9620959" cy="634482"/>
-          </a:xfrm>
-        </p:spPr>
-        <p:txBody>
-          <a:bodyPr>
-            <a:normAutofit fontScale="90000"/>
-          </a:bodyPr>
-          <a:lstStyle/>
-          <a:p>
-            <a:r>
-              <a:rPr lang="en-US" dirty="0"/>
-              <a:t>Global / Country Disease Analysis</a:t>
-            </a:r>
-          </a:p>
-        </p:txBody>
-      </p:sp>
-      <mc:AlternateContent xmlns:mc="http://schemas.openxmlformats.org/markup-compatibility/2006">
-        <mc:Choice xmlns:we="http://schemas.microsoft.com/office/webextensions/webextension/2010/11" xmlns:pca="http://schemas.microsoft.com/office/powerpoint/2013/contentapp" Requires="we pca">
-          <p:graphicFrame>
-            <p:nvGraphicFramePr>
-              <p:cNvPr id="3" name="Add-in 2">
-                <a:extLst>
-                  <a:ext uri="{FF2B5EF4-FFF2-40B4-BE49-F238E27FC236}">
-                    <a16:creationId xmlns:a16="http://schemas.microsoft.com/office/drawing/2014/main" id="{765A7E76-33DE-EEDA-EEF6-92596F502211}"/>
-                  </a:ext>
-                </a:extLst>
-              </p:cNvPr>
-              <p:cNvGraphicFramePr>
-                <a:graphicFrameLocks noGrp="1"/>
-              </p:cNvGraphicFramePr>
-              <p:nvPr>
-                <p:extLst>
-                  <p:ext uri="{D42A27DB-BD31-4B8C-83A1-F6EECF244321}">
-                    <p14:modId xmlns:p14="http://schemas.microsoft.com/office/powerpoint/2010/main" val="4207289774"/>
-                  </p:ext>
-                </p:extLst>
-              </p:nvPr>
-            </p:nvGraphicFramePr>
-            <p:xfrm>
-              <a:off x="702906" y="1317950"/>
-              <a:ext cx="10786188" cy="5540050"/>
-            </p:xfrm>
-            <a:graphic>
-              <a:graphicData uri="http://schemas.microsoft.com/office/webextensions/webextension/2010/11">
-                <we:webextensionref xmlns:we="http://schemas.microsoft.com/office/webextensions/webextension/2010/11" xmlns:r="http://schemas.openxmlformats.org/officeDocument/2006/relationships" r:id="rId2"/>
-              </a:graphicData>
-            </a:graphic>
-          </p:graphicFrame>
-        </mc:Choice>
-        <mc:Fallback>
-          <p:pic>
-            <p:nvPicPr>
-              <p:cNvPr id="3" name="Add-in 2">
-                <a:extLst>
-                  <a:ext uri="{FF2B5EF4-FFF2-40B4-BE49-F238E27FC236}">
-                    <a16:creationId xmlns:a16="http://schemas.microsoft.com/office/drawing/2014/main" id="{765A7E76-33DE-EEDA-EEF6-92596F502211}"/>
-                  </a:ext>
-                </a:extLst>
-              </p:cNvPr>
-              <p:cNvPicPr>
-                <a:picLocks noGrp="1" noRot="1" noChangeAspect="1" noMove="1" noResize="1" noEditPoints="1" noAdjustHandles="1" noChangeArrowheads="1" noChangeShapeType="1"/>
-              </p:cNvPicPr>
-              <p:nvPr/>
-            </p:nvPicPr>
-            <p:blipFill>
-              <a:blip r:embed="rId3"/>
-              <a:stretch>
-                <a:fillRect/>
-              </a:stretch>
-            </p:blipFill>
-            <p:spPr>
-              <a:xfrm>
-                <a:off x="702906" y="1317950"/>
-                <a:ext cx="10786188" cy="5540050"/>
-              </a:xfrm>
-              <a:prstGeom prst="rect">
-                <a:avLst/>
-              </a:prstGeom>
-            </p:spPr>
-          </p:pic>
-        </mc:Fallback>
-      </mc:AlternateContent>
-    </p:spTree>
-    <p:extLst>
-      <p:ext uri="{BB962C8B-B14F-4D97-AF65-F5344CB8AC3E}">
-        <p14:creationId xmlns:p14="http://schemas.microsoft.com/office/powerpoint/2010/main" val="3284792199"/>
-      </p:ext>
-    </p:extLst>
-  </p:cSld>
-  <p:clrMapOvr>
-    <a:masterClrMapping/>
-  </p:clrMapOvr>
-</p:sld>
-</file>
-
-<file path=ppt/slides/slide7.xml><?xml version="1.0" encoding="utf-8"?>
-<p:sld xmlns:a="http://schemas.openxmlformats.org/drawingml/2006/main" xmlns:r="http://schemas.openxmlformats.org/officeDocument/2006/relationships" xmlns:p="http://schemas.openxmlformats.org/presentationml/2006/main">
-  <p:cSld>
-    <p:spTree>
-      <p:nvGrpSpPr>
-        <p:cNvPr id="1" name=""/>
-        <p:cNvGrpSpPr/>
-        <p:nvPr/>
-      </p:nvGrpSpPr>
-      <p:grpSpPr>
-        <a:xfrm>
-          <a:off x="0" y="0"/>
-          <a:ext cx="0" cy="0"/>
-          <a:chOff x="0" y="0"/>
-          <a:chExt cx="0" cy="0"/>
-        </a:xfrm>
-      </p:grpSpPr>
-      <p:sp>
-        <p:nvSpPr>
-          <p:cNvPr id="2" name="Title 1">
-            <a:extLst>
-              <a:ext uri="{FF2B5EF4-FFF2-40B4-BE49-F238E27FC236}">
-                <a16:creationId xmlns:a16="http://schemas.microsoft.com/office/drawing/2014/main" id="{48269EAE-1E01-3F71-0C4A-522BC85237F2}"/>
-              </a:ext>
-            </a:extLst>
-          </p:cNvPr>
-          <p:cNvSpPr>
-            <a:spLocks noGrp="1"/>
-          </p:cNvSpPr>
-          <p:nvPr>
-            <p:ph type="title"/>
-          </p:nvPr>
-        </p:nvSpPr>
-        <p:spPr>
-          <a:xfrm>
-            <a:off x="2647790" y="523747"/>
-            <a:ext cx="6896420" cy="801202"/>
-          </a:xfrm>
-        </p:spPr>
-        <p:txBody>
-          <a:bodyPr>
-            <a:normAutofit/>
-          </a:bodyPr>
-          <a:lstStyle/>
-          <a:p>
-            <a:r>
-              <a:rPr lang="en-US" dirty="0"/>
-              <a:t>Disease Analysis by SDI</a:t>
-            </a:r>
-          </a:p>
-        </p:txBody>
-      </p:sp>
-      <mc:AlternateContent xmlns:mc="http://schemas.openxmlformats.org/markup-compatibility/2006">
-        <mc:Choice xmlns:we="http://schemas.microsoft.com/office/webextensions/webextension/2010/11" xmlns:pca="http://schemas.microsoft.com/office/powerpoint/2013/contentapp" Requires="we pca">
-          <p:graphicFrame>
-            <p:nvGraphicFramePr>
-              <p:cNvPr id="3" name="Add-in 2">
-                <a:extLst>
-                  <a:ext uri="{FF2B5EF4-FFF2-40B4-BE49-F238E27FC236}">
-                    <a16:creationId xmlns:a16="http://schemas.microsoft.com/office/drawing/2014/main" id="{49CB2182-17C6-BFA7-6D0E-B077EAA7BCD8}"/>
-                  </a:ext>
-                </a:extLst>
-              </p:cNvPr>
-              <p:cNvGraphicFramePr>
-                <a:graphicFrameLocks noGrp="1"/>
-              </p:cNvGraphicFramePr>
-              <p:nvPr>
-                <p:extLst>
-                  <p:ext uri="{D42A27DB-BD31-4B8C-83A1-F6EECF244321}">
-                    <p14:modId xmlns:p14="http://schemas.microsoft.com/office/powerpoint/2010/main" val="174909059"/>
-                  </p:ext>
-                </p:extLst>
-              </p:nvPr>
-            </p:nvGraphicFramePr>
-            <p:xfrm>
-              <a:off x="343677" y="1464907"/>
-              <a:ext cx="11504645" cy="5393094"/>
-            </p:xfrm>
-            <a:graphic>
-              <a:graphicData uri="http://schemas.microsoft.com/office/webextensions/webextension/2010/11">
-                <we:webextensionref xmlns:we="http://schemas.microsoft.com/office/webextensions/webextension/2010/11" xmlns:r="http://schemas.openxmlformats.org/officeDocument/2006/relationships" r:id="rId2"/>
-              </a:graphicData>
-            </a:graphic>
-          </p:graphicFrame>
-        </mc:Choice>
-        <mc:Fallback>
-          <p:pic>
-            <p:nvPicPr>
-              <p:cNvPr id="3" name="Add-in 2">
-                <a:extLst>
-                  <a:ext uri="{FF2B5EF4-FFF2-40B4-BE49-F238E27FC236}">
-                    <a16:creationId xmlns:a16="http://schemas.microsoft.com/office/drawing/2014/main" id="{49CB2182-17C6-BFA7-6D0E-B077EAA7BCD8}"/>
-                  </a:ext>
-                </a:extLst>
-              </p:cNvPr>
-              <p:cNvPicPr>
-                <a:picLocks noGrp="1" noRot="1" noChangeAspect="1" noMove="1" noResize="1" noEditPoints="1" noAdjustHandles="1" noChangeArrowheads="1" noChangeShapeType="1"/>
-              </p:cNvPicPr>
-              <p:nvPr/>
-            </p:nvPicPr>
-            <p:blipFill>
-              <a:blip r:embed="rId3"/>
-              <a:stretch>
-                <a:fillRect/>
-              </a:stretch>
-            </p:blipFill>
-            <p:spPr>
-              <a:xfrm>
-                <a:off x="343677" y="1464907"/>
-                <a:ext cx="11504645" cy="5393094"/>
-              </a:xfrm>
-              <a:prstGeom prst="rect">
-                <a:avLst/>
-              </a:prstGeom>
-            </p:spPr>
-          </p:pic>
-        </mc:Fallback>
-      </mc:AlternateContent>
-    </p:spTree>
-    <p:extLst>
-      <p:ext uri="{BB962C8B-B14F-4D97-AF65-F5344CB8AC3E}">
-        <p14:creationId xmlns:p14="http://schemas.microsoft.com/office/powerpoint/2010/main" val="3652170583"/>
-      </p:ext>
-    </p:extLst>
-  </p:cSld>
-  <p:clrMapOvr>
-    <a:masterClrMapping/>
-  </p:clrMapOvr>
-</p:sld>
-</file>
-
-<file path=ppt/slides/slide8.xml><?xml version="1.0" encoding="utf-8"?>
-<p:sld xmlns:a="http://schemas.openxmlformats.org/drawingml/2006/main" xmlns:r="http://schemas.openxmlformats.org/officeDocument/2006/relationships" xmlns:p="http://schemas.openxmlformats.org/presentationml/2006/main">
-  <p:cSld>
-    <p:spTree>
-      <p:nvGrpSpPr>
-        <p:cNvPr id="1" name=""/>
-        <p:cNvGrpSpPr/>
-        <p:nvPr/>
-      </p:nvGrpSpPr>
-      <p:grpSpPr>
-        <a:xfrm>
-          <a:off x="0" y="0"/>
-          <a:ext cx="0" cy="0"/>
-          <a:chOff x="0" y="0"/>
-          <a:chExt cx="0" cy="0"/>
-        </a:xfrm>
-      </p:grpSpPr>
-      <p:sp>
-        <p:nvSpPr>
-          <p:cNvPr id="2" name="Title 1">
-            <a:extLst>
-              <a:ext uri="{FF2B5EF4-FFF2-40B4-BE49-F238E27FC236}">
-                <a16:creationId xmlns:a16="http://schemas.microsoft.com/office/drawing/2014/main" id="{4C4CF0B8-355F-C6EF-0E84-6037272A41C7}"/>
-              </a:ext>
-            </a:extLst>
-          </p:cNvPr>
-          <p:cNvSpPr>
-            <a:spLocks noGrp="1"/>
-          </p:cNvSpPr>
-          <p:nvPr>
-            <p:ph type="title"/>
-          </p:nvPr>
-        </p:nvSpPr>
-        <p:spPr>
-          <a:xfrm>
-            <a:off x="4420835" y="177282"/>
-            <a:ext cx="3350330" cy="811667"/>
-          </a:xfrm>
-        </p:spPr>
-        <p:txBody>
-          <a:bodyPr>
-            <a:normAutofit/>
-          </a:bodyPr>
-          <a:lstStyle/>
-          <a:p>
-            <a:r>
-              <a:rPr lang="en-US" dirty="0"/>
-              <a:t>Correlation </a:t>
-            </a:r>
-          </a:p>
-        </p:txBody>
-      </p:sp>
-      <mc:AlternateContent xmlns:mc="http://schemas.openxmlformats.org/markup-compatibility/2006">
-        <mc:Choice xmlns:we="http://schemas.microsoft.com/office/webextensions/webextension/2010/11" xmlns:pca="http://schemas.microsoft.com/office/powerpoint/2013/contentapp" Requires="we pca">
-          <p:graphicFrame>
-            <p:nvGraphicFramePr>
-              <p:cNvPr id="3" name="Add-in 2">
-                <a:extLst>
-                  <a:ext uri="{FF2B5EF4-FFF2-40B4-BE49-F238E27FC236}">
-                    <a16:creationId xmlns:a16="http://schemas.microsoft.com/office/drawing/2014/main" id="{05F9BD93-25E9-551E-419C-95A3818F73B3}"/>
-                  </a:ext>
-                </a:extLst>
-              </p:cNvPr>
-              <p:cNvGraphicFramePr>
-                <a:graphicFrameLocks noGrp="1"/>
-              </p:cNvGraphicFramePr>
-              <p:nvPr>
-                <p:extLst>
-                  <p:ext uri="{D42A27DB-BD31-4B8C-83A1-F6EECF244321}">
-                    <p14:modId xmlns:p14="http://schemas.microsoft.com/office/powerpoint/2010/main" val="1253305185"/>
-                  </p:ext>
-                </p:extLst>
-              </p:nvPr>
-            </p:nvGraphicFramePr>
-            <p:xfrm>
-              <a:off x="177282" y="1119672"/>
-              <a:ext cx="11793894" cy="5738327"/>
-            </p:xfrm>
-            <a:graphic>
-              <a:graphicData uri="http://schemas.microsoft.com/office/webextensions/webextension/2010/11">
-                <we:webextensionref xmlns:we="http://schemas.microsoft.com/office/webextensions/webextension/2010/11" xmlns:r="http://schemas.openxmlformats.org/officeDocument/2006/relationships" r:id="rId2"/>
-              </a:graphicData>
-            </a:graphic>
-          </p:graphicFrame>
-        </mc:Choice>
-        <mc:Fallback>
-          <p:pic>
-            <p:nvPicPr>
-              <p:cNvPr id="3" name="Add-in 2">
-                <a:extLst>
-                  <a:ext uri="{FF2B5EF4-FFF2-40B4-BE49-F238E27FC236}">
-                    <a16:creationId xmlns:a16="http://schemas.microsoft.com/office/drawing/2014/main" id="{05F9BD93-25E9-551E-419C-95A3818F73B3}"/>
-                  </a:ext>
-                </a:extLst>
-              </p:cNvPr>
-              <p:cNvPicPr>
-                <a:picLocks noGrp="1" noRot="1" noChangeAspect="1" noMove="1" noResize="1" noEditPoints="1" noAdjustHandles="1" noChangeArrowheads="1" noChangeShapeType="1"/>
-              </p:cNvPicPr>
-              <p:nvPr/>
-            </p:nvPicPr>
-            <p:blipFill>
-              <a:blip r:embed="rId3"/>
-              <a:stretch>
-                <a:fillRect/>
-              </a:stretch>
-            </p:blipFill>
-            <p:spPr>
-              <a:xfrm>
-                <a:off x="177282" y="1119672"/>
-                <a:ext cx="11793894" cy="5738327"/>
-              </a:xfrm>
-              <a:prstGeom prst="rect">
-                <a:avLst/>
-              </a:prstGeom>
-            </p:spPr>
-          </p:pic>
-        </mc:Fallback>
-      </mc:AlternateContent>
-    </p:spTree>
-    <p:extLst>
-      <p:ext uri="{BB962C8B-B14F-4D97-AF65-F5344CB8AC3E}">
-        <p14:creationId xmlns:p14="http://schemas.microsoft.com/office/powerpoint/2010/main" val="264793792"/>
-      </p:ext>
-    </p:extLst>
-  </p:cSld>
-  <p:clrMapOvr>
-    <a:masterClrMapping/>
-  </p:clrMapOvr>
-</p:sld>
-</file>
-
-<file path=ppt/slides/slide9.xml><?xml version="1.0" encoding="utf-8"?>
-<p:sld xmlns:a="http://schemas.openxmlformats.org/drawingml/2006/main" xmlns:r="http://schemas.openxmlformats.org/officeDocument/2006/relationships" xmlns:p="http://schemas.openxmlformats.org/presentationml/2006/main">
-  <p:cSld>
-    <p:spTree>
-      <p:nvGrpSpPr>
-        <p:cNvPr id="1" name=""/>
-        <p:cNvGrpSpPr/>
-        <p:nvPr/>
-      </p:nvGrpSpPr>
-      <p:grpSpPr>
-        <a:xfrm>
-          <a:off x="0" y="0"/>
-          <a:ext cx="0" cy="0"/>
-          <a:chOff x="0" y="0"/>
-          <a:chExt cx="0" cy="0"/>
-        </a:xfrm>
-      </p:grpSpPr>
-      <p:sp>
-        <p:nvSpPr>
-          <p:cNvPr id="2" name="Title 1">
-            <a:extLst>
-              <a:ext uri="{FF2B5EF4-FFF2-40B4-BE49-F238E27FC236}">
-                <a16:creationId xmlns:a16="http://schemas.microsoft.com/office/drawing/2014/main" id="{4F1531B1-0B7C-4828-81AF-B327FE7BDCC9}"/>
-              </a:ext>
-            </a:extLst>
-          </p:cNvPr>
-          <p:cNvSpPr>
-            <a:spLocks noGrp="1"/>
-          </p:cNvSpPr>
-          <p:nvPr>
-            <p:ph type="title"/>
-          </p:nvPr>
-        </p:nvSpPr>
-        <p:spPr/>
-        <p:txBody>
-          <a:bodyPr/>
-          <a:lstStyle/>
-          <a:p>
-            <a:r>
-              <a:rPr lang="en-US" dirty="0"/>
-              <a:t>Conclusions</a:t>
-            </a:r>
-          </a:p>
-        </p:txBody>
-      </p:sp>
-    </p:spTree>
-    <p:extLst>
-      <p:ext uri="{BB962C8B-B14F-4D97-AF65-F5344CB8AC3E}">
-        <p14:creationId xmlns:p14="http://schemas.microsoft.com/office/powerpoint/2010/main" val="699826757"/>
       </p:ext>
     </p:extLst>
   </p:cSld>
@@ -7208,137 +6625,7 @@
 </a:theme>
 </file>
 
-<file path=ppt/webextensions/webextension1.xml><?xml version="1.0" encoding="utf-8"?>
-<we:webextension xmlns:we="http://schemas.microsoft.com/office/webextensions/webextension/2010/11" id="{749C0BE0-DA95-4502-94B5-1D7D0D5FAFB9}">
-  <we:reference id="wa200003233" version="2.0.0.3" store="en-US" storeType="OMEX"/>
-  <we:alternateReferences>
-    <we:reference id="WA200003233" version="2.0.0.3" store="WA200003233" storeType="OMEX"/>
-  </we:alternateReferences>
-  <we:properties>
-    <we:property name="pptInsertionSessionID" value="&quot;9432313C-8329-489A-8AFB-45C814A7305C&quot;"/>
-    <we:property name="reportUrl" value="&quot;/groups/me/reports/0ecef9b7-b7cc-4258-b47c-eec3766819b8/eb5ea81bd7843054e228?experience=power-bi&quot;"/>
-    <we:property name="reportName" value="&quot;Capstone Charts&quot;"/>
-    <we:property name="reportState" value="&quot;CONNECTED&quot;"/>
-    <we:property name="embedUrl" value="&quot;/reportEmbed?reportId=0ecef9b7-b7cc-4258-b47c-eec3766819b8&amp;config=eyJjbHVzdGVyVXJsIjoiaHR0cHM6Ly9XQUJJLVVTLUVBU1QtQS1QUklNQVJZLXJlZGlyZWN0LmFuYWx5c2lzLndpbmRvd3MubmV0IiwiZW1iZWRGZWF0dXJlcyI6eyJ1c2FnZU1ldHJpY3NWTmV4dCI6dHJ1ZX19&amp;disableSensitivityBanner=true&quot;"/>
-    <we:property name="pageName" value="&quot;eb5ea81bd7843054e228&quot;"/>
-    <we:property name="pageDisplayName" value="&quot;PC Performance&quot;"/>
-    <we:property name="datasetId" value="&quot;d4b9d271-923c-4267-abee-b60b2fb40853&quot;"/>
-    <we:property name="backgroundColor" value="&quot;#FFFFFF&quot;"/>
-    <we:property name="bookmark" value="&quot;H4sIAAAAAAAAA+1XUU/bMBD+K5OfmFRNSZOmCW/QAS9oq1aENE1V5MTnYHDsyHYYHep/5+wUsU1oCMSoNnhp47uz7+67787yNWHCdpKuPtEWyC7Z1/qipebiXUxGRA2yaZYwViVVEUfJOJ9MU14w1OrOCa0s2b0mjpoG3KmwPZX+IBR+W44IlXJOG7/iVFoYkQ6M1YpK8QMGY1Q508N6ROCqk9pQf+TCUQf+2Es0xzWGEH9I0COtnbiEBdRukEI1AZrHFZvmaRJNUhiPczSzg0GI7F4Tf3RwP9PKUaHQjZdl42mRJjHjrMiKKIsgr1Mv50K6jUm1OrjqDGaHOa86D84eu6SqBg8IpmDADhFfk72mMdBQt1ke/KKcadm398gXujc1fAEeVMoJt0IfXV0iclyb1rsia4RrbjSKgvbo8PjzfBGkh73aYBP75Zn+PjOAYDKyG61HD8f8nGF9BWrIk6J4MeSE4jK4KSk77y1GWNbaOr+lbLjU3cOgLlFihWrkhtB33DoZspRIr9kZNc53THWO1PREwl3aMDD7q8Clj8Lckno8+i2xrfNovbztPDQ+/6m3ZghCo82Qwl+gznLt5ayOIcahM+U5z5OoSPD36V35yhjeGVFDqXmJU/6itA4nbAM7J/vvn2VcvHwaVkvBMA8M8nHZ/Ed9+oiabrl14wSyKKqA8brI+TTKUoB/4EJ1hiorPLB4HfTK7bgz3Vuq2PN0zSsbQW+X7FO5teXuHWcxrViWQZHXvJjwOEknbxfvY4d0Cy1WaufotV5Sf8p/qwQPHL8DkbSAb1j/oXtnO1rDnCoIAXTDfgHDi/Kqw3b1BQvfxv8fC+yIoV6nVPa+VOHFS4Kb4O0GLawon2kPAAA=&quot;"/>
-    <we:property name="initialStateBookmark" value="&quot;H4sIAAAAAAAAA+1XbU/bMBD+K5M/MamakiZNE76VDvjAW0UR0jRVkRNfgsGxI9thdKj/fWeniG1CQyBGtcGXNn589r09dyffEsZNK+jymDZAtsmOUlcN1VcfQjIgco2dnBwcTU4P8uPJ0S7CqrVcSUO2b4mlugZ7zk1HhbsBwa+LAaFCzGjtVhUVBgakBW2UpIJ/h14Yt6zuYDUgcNMKpam7cm6pBXftNYrjGnWHnyLUSEvLr2EOpe1RKEZA07Bg4zSOglEMw2GKYqYX8JY9KOKu9uqnSlrKJapxWDIcZ3EUsoplSRYkAaRl7PCKC7sWKZa7N61G79DnZeuiMmHXVJbAiHdBg+ktviWTutZQU7te7v6yOVWiax7A56rTJZxC5bek5XaJOtoyx8hVSjdOFVlhuGZaIeR39/cOT2Zzj+51ch2b0C0v1LepBgwmI9vBavC4zS9p1hegmjzLileLHJeV8Gpyyi47gxbmpTLWHcnrSqj28aAuEDFc1mJN6HtunfVeCqTX9IJq6yqmuERqOiLhKaUZ6J2l59Jnru9IPRz85tjGebRa3FUeCl/+VFtTDEKtdO/CX6DOYuVwVoYQjsbxuEqrNAqyCH+fX5VvjOGt5iXkqsqxvV/lxmKHrWHrbOfji7SL13fDKMEZ+oFGPs2b/6hOn5DTDZduGEESBAWwqszSahwkMcA/MFCtptJwF1gcB520W/ZCdYZK9jJV88Za0PuQfS63Nly9wySkBUsSyNKyykZVGMWj98H71CbdQIOZ2tp/q0PqT/5vlOCe4/dBJA3gG9Z9qM6alpYwoxK8AW1/nkP/orxpsVxdwvy3dv+HHCuiz9c5FZ1LlX/xEq8EU8gLAY8ccO9g4s3y1v0A9MGipJIPAAA=&quot;"/>
-    <we:property name="isFiltersActionButtonVisible" value="true"/>
-    <we:property name="isVisualContainerHeaderHidden" value="false"/>
-    <we:property name="reportEmbeddedTime" value="&quot;2024-08-09T17:34:06.068Z&quot;"/>
-    <we:property name="creatorTenantId" value="&quot;101da587-1843-4f52-8b8a-17b069c66d33&quot;"/>
-    <we:property name="creatorUserId" value="&quot;100320037B2C115B&quot;"/>
-    <we:property name="creatorSessionId" value="&quot;82c57f1b-b67c-491d-9a8e-d78b2a99f4bf&quot;"/>
-    <we:property name="artifactViewState" value="&quot;live&quot;"/>
-  </we:properties>
-  <we:bindings/>
-  <we:snapshot xmlns:r="http://schemas.openxmlformats.org/officeDocument/2006/relationships"/>
-</we:webextension>
-</file>
-
-<file path=ppt/webextensions/webextension2.xml><?xml version="1.0" encoding="utf-8"?>
-<we:webextension xmlns:we="http://schemas.microsoft.com/office/webextensions/webextension/2010/11" id="{9B36E386-7A6A-4C5E-A07C-614DBAB6D4C5}">
-  <we:reference id="wa200003233" version="2.0.0.3" store="en-US" storeType="OMEX"/>
-  <we:alternateReferences>
-    <we:reference id="WA200003233" version="2.0.0.3" store="WA200003233" storeType="OMEX"/>
-  </we:alternateReferences>
-  <we:properties>
-    <we:property name="artifactViewState" value="&quot;live&quot;"/>
-    <we:property name="backgroundColor" value="&quot;#FFFFFF&quot;"/>
-    <we:property name="bookmark" value="&quot;H4sIAAAAAAAAA+1Z227bOBD9lYAvTQCh0MW6OG+NNwsUmy6CZtGXwghG5MhmI4sCRbn1Gv73Dkk5Sbtxs9ugSbxtgADScDi3czgi6TUTsmtrWP0JC2TH7ESpqwXoq4OIBazxsqhMM56maZnmZZaPMoAUaFS1RqqmY8drZkDP0LyTXQ+1NUTC99OAQV2fw8y+VVB3GLAWdacaqOXf6JVpyOgeNwHDT22tNFiTFwYMWrNLUqd3G8LLhDwCN3KJF8iNlxYgIhQ8SyJBAeajdMwLUuu8govsThVr2rmfqMaAbMiNlWU8FjyNgYuYJ0WYpnkqrLyStRlUytXpp1ZTdpTzqrXFeSWW0HAUzKWgsfMRr9lE1f3CPZ1+Ib9Qveb4Fis31BhpVmRGIJj5pQADl1z1jdESu4PD+IhtqDbnWlHlnN4KQTvZXH2caJpEno/DTXB/PK9mM40zMMPr6SMEW8sKLykKJ/+9bwbcon/GPyVJJ5tZPfDiBqK/fFo1oTSZgzaWeOUHQtjiQbOUFqhPVg6S36TeciMOvsrkWaW/mW7JTOofbtF1QgWZKe3T+aEMmm6sHCzdo3Ec0uw4QayiMtkTyt9Lma6WHPUXfGELpEZlH6xbl1PrHUn040q4YXQpr9mZpDJ42++g7q3ZFydoPiI2LyimjavjDizdhO6xkBwl43wcF2GCCeflKBynkN6L5EA3ySnFxwGTQ9/h/jQwNHP6WtHzwztYCXrvGtju9J+yg2055ImfiCwry3E+yiuo0jzLkOe/iP/AaL2eU/k5qf/NAjwf8pdVJrAqRAShCDNISuDh93+/n6DOrWr72nt8OM84aDEM7Q/TvlUBv7uIirAsR3kWZ0UelWFciLLaL5A1LrG24RzQCQ8PSX4QheHV0U+L+b8viKdAlZSJyMuUJ1iVMBon45LvFQWc3i/0/0MtPPCx4EWaiSocx1EhCvrj0TPc3dSK37SwfdjgnKlmJk0v8H4SPtMEyNs+x7/rbBF+RxdYQPv18n+q7dmtheDW71zO5jX9G2utw3rbh977K4g3FDkN7LL+8tqcndBxcvNaeEwWLWjZbRHavv0hG1uygJ1hZR5pub/dpnfXZcmpmUvVSri+LQnYAg0M1y/sol8c7k5+S5EjNrVbbt/zbvJ4c21ofYvPP/LG5Ta6AX18+ByFS/W1wYV3LAVaq3K4+fk/YBawpR0auErnC7bVGM4h7ihy1y2b6k3XAsdzaPCO2zYCDRqBYgvgjoDcjwfXt22bzWekzh5rtBgAAA==&quot;"/>
-    <we:property name="creatorSessionId" value="&quot;9c628149-5ef5-4a7f-85c8-d1ba9d6c8572&quot;"/>
-    <we:property name="creatorTenantId" value="&quot;101da587-1843-4f52-8b8a-17b069c66d33&quot;"/>
-    <we:property name="creatorUserId" value="&quot;100320037B2C115B&quot;"/>
-    <we:property name="datasetId" value="&quot;d4b9d271-923c-4267-abee-b60b2fb40853&quot;"/>
-    <we:property name="embedUrl" value="&quot;/reportEmbed?reportId=0ecef9b7-b7cc-4258-b47c-eec3766819b8&amp;config=eyJjbHVzdGVyVXJsIjoiaHR0cHM6Ly9XQUJJLVVTLUVBU1QtQS1QUklNQVJZLXJlZGlyZWN0LmFuYWx5c2lzLndpbmRvd3MubmV0IiwiZW1iZWRGZWF0dXJlcyI6eyJ1c2FnZU1ldHJpY3NWTmV4dCI6dHJ1ZX19&amp;disableSensitivityBanner=true&quot;"/>
-    <we:property name="initialStateBookmark" value="&quot;H4sIAAAAAAAAA+1YS0/cMBD+KygXqLSq8ti8uMGWXtpSBBWXaoXG9mRx8caR40C3KP+9Y2dpSwvdFlRgRffkjMfz+r6dOHMZCNk2Chb7MMdgO9jV+mwO5mwjCkZBvZS9f//m3c7hm5P9nXd7JNaNlbpug+3LwIKZoT2WbQfKWSDhx+koAKUOYOaeKlAtjoIGTatrUPILDsq0ZU2H/SjAz43SBpzJIwsWndlzUqdn8h29TMgjcCvP8Qi5HaQFiAgFz5JIZDzNx2nJC1JrBwUf2Y0qzrR3P9G1BVmTGyfLeCx4GgMXMU+KME3zVDh5JZVdqrDF3ufGUHaU86JxVdkR51BzFIFPwWA7RHwZTLTq5n61d01+pDvD8RArv1VbaRdkRiDY0xMBFk647mprJLYbW/GLoKfaHBhNlfN6CwTjZaf6YmLoEHneDvvR6nh2ZjODM7DLx70HCFbJCk8oCi9/3dVL3KJf45+SpJX1TC158R2iD0NailCanIKxjnjsEyHs8KBT2gg0uwsPyStprrgRj37K5Eml30+vyEzqn36g64QKMtNmSOefMmjaOzk4ukdlHNLpOEGsIpasCeVXUqZVkqO5xpdgjtSo3MK59Tk1gyOJw74Wfht9ypfBW0llGGwfg+qc2c1dtBeI9SbF1Ps63oKlP9A+FJLjpMzLuAgTTDhn47BMIV2J5JJuklOKDwMmh67F9WlgaE/pbUXr+3cwBmbtGtjt6T9mB7vi0ED8RGQZY2U+ziuo0jzLkOf/iX/PaAc9r/I8qf/bAjwd8rMqE1gVIoJQhBkkDHh49/f3I9S50U2nBo/35xkHI5Zb68O031VguF1ERcjYOM/irMgjFsaFYNV6gWzwHJULZ4O+8HCL5BtRGJ69eLaY/3lBBgpUCUtEzlKeYMVgXCYl42tFAa/3H/2/qMUAfCx4kWaiCss4KkRBPx49wduN0vx7C1uHC85bXc+k7QSuJuETTYC8rXP8t31bhHfoAnNofv77P9b17Ic/wtTPB/qb5w+6s20DHA+gxhvmEAQP1ALFcn3bLMKPVQPvhAoimVo1vHDD1m9zi77/CjvJyhD3FQAA&quot;"/>
-    <we:property name="isFiltersActionButtonVisible" value="true"/>
-    <we:property name="isVisualContainerHeaderHidden" value="false"/>
-    <we:property name="pageDisplayName" value="&quot;Disease by Country&quot;"/>
-    <we:property name="pageName" value="&quot;8ad1edc631d6c57459c8&quot;"/>
-    <we:property name="pptInsertionSessionID" value="&quot;9432313C-8329-489A-8AFB-45C814A7305C&quot;"/>
-    <we:property name="reportEmbeddedTime" value="&quot;2024-08-09T15:50:54.426Z&quot;"/>
-    <we:property name="reportName" value="&quot;Capstone Charts&quot;"/>
-    <we:property name="reportState" value="&quot;CONNECTED&quot;"/>
-    <we:property name="reportUrl" value="&quot;/groups/me/reports/0ecef9b7-b7cc-4258-b47c-eec3766819b8/8ad1edc631d6c57459c8?experience=power-bi&quot;"/>
-  </we:properties>
-  <we:bindings/>
-  <we:snapshot xmlns:r="http://schemas.openxmlformats.org/officeDocument/2006/relationships"/>
-</we:webextension>
-</file>
-
-<file path=ppt/webextensions/webextension3.xml><?xml version="1.0" encoding="utf-8"?>
-<we:webextension xmlns:we="http://schemas.microsoft.com/office/webextensions/webextension/2010/11" id="{F2293FB7-C547-4B7B-B47F-DF83AF415A00}">
-  <we:reference id="wa200003233" version="2.0.0.3" store="en-US" storeType="OMEX"/>
-  <we:alternateReferences>
-    <we:reference id="WA200003233" version="2.0.0.3" store="WA200003233" storeType="OMEX"/>
-  </we:alternateReferences>
-  <we:properties>
-    <we:property name="artifactViewState" value="&quot;live&quot;"/>
-    <we:property name="backgroundColor" value="&quot;#FFFFFF&quot;"/>
-    <we:property name="bookmark" value="&quot;H4sIAAAAAAAAA+1Z32/TMBD+V6q8AFKFnDiJm72xDgQSQhND4wFVk2NfUrM0rhxno0z93zk77WDsR4GKLYO+Oefz+bvzd/adchFI1cwrvnjHZxDsBftan864OR2EwTCoOxmndMQimkRABYOI0jCKcFbPrdJ1E+xdBJabEuyxalpeOUMo/DQZBryqDnnpvgpeNTAM5mAaXfNKfYVOGaesaWE5DODLvNKGO5NHlltwZs9QHb8RQvic4o5cWHUGRyDsSjoS4SjjLI4pUMmgoHmGak2n4JHdqOJM++3HurZc1biNkwmSsSRlUZKFPJYQxilhTl6oyq5U8sXLL3OD3qHPi7kLzgt5xmsBMvAuGGg6xBfBWFftzI9eXpEf6dYIeA+Fn6qtsgs0I4Hb6Ynklp+A0LWeKTF4Gj0LlhiaQ6MxcF5tAdx42VSfjw2uwY33yHJ4CWeMolIbJXh1P4gqLfyh3Ynq1iC9KEsDZWfgGq6/g1cVcIIgvPxVW6+4FF6HP0FJo+qyWnH1O20+dF5VyJzxlBvrkiH/jKxzHMFV2kgw+wtPkwNl1nyNhj850ifvl5N1fqH65x8yaMWozpu/SerJ0slDIHmajyiRI86ARpiOcmMS3jvrBW8beDSUBzvFOxfH23M+5+axUf527x+Q82sCdaTPUpLmaSbiUc7ySMakYMWO9FuB7dSEbmv7X9L+Tv97Q/w4ZQmTDNcmGc+oDAmQx1FybaRMUykB5gphghlgnewGblfv0rzbSEE3r6WfBu/xRfBWYRQ628e8ap3ZJ/tgzwHqJ4hp6cN4y1H6Bc09vdoxLWQiUiiKkcxJkZE07eGrfUetut1xllB353TtRLsAXB0dr9savCZeGT3zy1b9lyP1RreGQQeKuDz+OAUDq2OupVpfMW9+Ct5vMKH78GBuDyDufMmwTzcz9bUqp4OjgzeOqpNJR1a/cAv2H+AKqc8fnv4/hsKnAIOwoJxkMgZ8vtOUjAj/86vsgR6MAXbg8BRFg5CQ02ebX85fePt3jfC/2En+Gl360lVGScRYnhcgsqiAMGFYZz+OOqOXxfVvdJS7jOzBofQlDUlGojThAuvElBJCSZJEuzT8Y6xo6Awqh2aLd3uXlr05pH6kqc/Um7oc3dpmjsl7yGu4oXxH6vBagtxQwvtfQZfV+3L5DbF5Da6CGgAA&quot;"/>
-    <we:property name="creatorSessionId" value="&quot;6c5c6812-bff4-4322-8fbf-6a4aa9792bb7&quot;"/>
-    <we:property name="creatorTenantId" value="&quot;101da587-1843-4f52-8b8a-17b069c66d33&quot;"/>
-    <we:property name="creatorUserId" value="&quot;100320037B2C115B&quot;"/>
-    <we:property name="datasetId" value="&quot;d4b9d271-923c-4267-abee-b60b2fb40853&quot;"/>
-    <we:property name="embedUrl" value="&quot;/reportEmbed?reportId=0ecef9b7-b7cc-4258-b47c-eec3766819b8&amp;config=eyJjbHVzdGVyVXJsIjoiaHR0cHM6Ly9XQUJJLVVTLUVBU1QtQS1QUklNQVJZLXJlZGlyZWN0LmFuYWx5c2lzLndpbmRvd3MubmV0IiwiZW1iZWRGZWF0dXJlcyI6eyJ1c2FnZU1ldHJpY3NWTmV4dCI6dHJ1ZX19&amp;disableSensitivityBanner=true&quot;"/>
-    <we:property name="initialStateBookmark" value="&quot;H4sIAAAAAAAAA+1ZS0/jMBD+K1UugFStnHfDDQp7YXkIVlxWCDn2pDW4ceU4hW6V/74Tp7CwPMqCgHS3t+TzeB6ebzJjZeZwUYwlnR7QETibzrZSlyOqLzuu03XyOXZ4uLe/dbx3frC1v4uwGhuh8sLZnDmG6gGYU1GUVNYaEPxx1nWolEd0UL9lVBbQdcagC5VTKX5CI4xLRpdQdR24Hkulaa3yxFADtdoJiuM72na/+GiRMiMmcALMzNEec3sJjYPAB5/HkPlpgmJFI2A9e1SkVm3N91VuqMjRTI0xksRhFHth4tKAgxtEJK7xTEgzF0mnu9djjdFhzNNxfSpbfEJzBtyxIWgoGo9nTl/JcmSfdu/hJ6rUDI4hs0u5EWaKajhQMzzn1NBzYCpXI8E6696GU+HRHGmFB2fFpkC1xYbqqq9xDxreJFX31p0+QgOlBaPyYzySitmkPevVk4e0NRhoGDQKHvj1Pv6KDM7RCYt/LfM5l9yH7p8hUoh8IOdc/U2b701UEpnTH1Jt6mJIL5B1NUdwl9Ic9PbU0mRH6Bu+et0/AmlT9NXZTX2h+MWdCpozqonmPUl9VtW4CySN0p5PeI/G4HtYjnxhEX446xktC1gayoMZ4jcXn9/O+ZTqZaP809F/IudvCNSQPolIlEYJC3ppnHo8IFmcrUj/JmcbMabK3PyXtH82/tYQP4jiMOYx7g0TmvjcJUCWY+RaSJlCCgb6HmGcEeCcXD/UVm1I48aQgGZdcbsMNuKZ803gKTS6T6ksa7Vr22CuAPI19Kmyx/hEKu2G4oO6duBnPGQRZFmPpyRLSBS1sGs/M6t+Wjp3cAdXV5+fzzuH0+Q0BjfzKUl4ANiPooj0CH19bX7SF7CDV0pYR6jjEnK5sbgVvKCZrW52/+LV6GV0acs1yQu9OE7TDFjiZeCGMQ6Oy9E4Wzkt/sUVaVWRLUhKW8qQJMSLQspw8Il8QnwSht6qDF/tKyqagKy9eUPfXpVla5LUjjK1lfrY2K5KU4yxeI9oDo+M70gdmnPgC0Z4+2/DsUYwtSKVi2b++o/H7bRfVb8AJeiyenwZAAA=&quot;"/>
-    <we:property name="isFiltersActionButtonVisible" value="true"/>
-    <we:property name="isVisualContainerHeaderHidden" value="false"/>
-    <we:property name="pageDisplayName" value="&quot;Disease by Development&quot;"/>
-    <we:property name="pageName" value="&quot;18c189a7443e3d7ef3b9&quot;"/>
-    <we:property name="pptInsertionSessionID" value="&quot;9432313C-8329-489A-8AFB-45C814A7305C&quot;"/>
-    <we:property name="reportEmbeddedTime" value="&quot;2024-08-09T15:57:52.287Z&quot;"/>
-    <we:property name="reportName" value="&quot;Capstone Charts&quot;"/>
-    <we:property name="reportState" value="&quot;CONNECTED&quot;"/>
-    <we:property name="reportUrl" value="&quot;/groups/me/reports/0ecef9b7-b7cc-4258-b47c-eec3766819b8/18c189a7443e3d7ef3b9?experience=power-bi&quot;"/>
-  </we:properties>
-  <we:bindings/>
-  <we:snapshot xmlns:r="http://schemas.openxmlformats.org/officeDocument/2006/relationships"/>
-</we:webextension>
-</file>
-
-<file path=ppt/webextensions/webextension4.xml><?xml version="1.0" encoding="utf-8"?>
-<we:webextension xmlns:we="http://schemas.microsoft.com/office/webextensions/webextension/2010/11" id="{AD0220A9-9878-4A89-AF36-010D0B4CD80C}">
-  <we:reference id="wa200003233" version="2.0.0.3" store="en-US" storeType="OMEX"/>
-  <we:alternateReferences>
-    <we:reference id="WA200003233" version="2.0.0.3" store="WA200003233" storeType="OMEX"/>
-  </we:alternateReferences>
-  <we:properties>
-    <we:property name="pptInsertionSessionID" value="&quot;9432313C-8329-489A-8AFB-45C814A7305C&quot;"/>
-    <we:property name="reportUrl" value="&quot;/groups/me/reports/0ecef9b7-b7cc-4258-b47c-eec3766819b8/df2ed0918c5c64e7cd4a?experience=power-bi&quot;"/>
-    <we:property name="reportName" value="&quot;Capstone Charts&quot;"/>
-    <we:property name="reportState" value="&quot;CONNECTED&quot;"/>
-    <we:property name="embedUrl" value="&quot;/reportEmbed?reportId=0ecef9b7-b7cc-4258-b47c-eec3766819b8&amp;config=eyJjbHVzdGVyVXJsIjoiaHR0cHM6Ly9XQUJJLVVTLUVBU1QtQS1QUklNQVJZLXJlZGlyZWN0LmFuYWx5c2lzLndpbmRvd3MubmV0IiwiZW1iZWRGZWF0dXJlcyI6eyJ1c2FnZU1ldHJpY3NWTmV4dCI6dHJ1ZX19&amp;disableSensitivityBanner=true&quot;"/>
-    <we:property name="pageName" value="&quot;df2ed0918c5c64e7cd4a&quot;"/>
-    <we:property name="pageDisplayName" value="&quot;Correlation &quot;"/>
-    <we:property name="datasetId" value="&quot;d4b9d271-923c-4267-abee-b60b2fb40853&quot;"/>
-    <we:property name="backgroundColor" value="&quot;#FFFFFF&quot;"/>
-    <we:property name="bookmark" value="&quot;H4sIAAAAAAAAA+1W207bQBD9lWhfCFJU+QoOb5BCX1AbNQhVqlA03h07SxyvtV4HUuR/7+w6vdCmQEMRVOLNnhnP5ZyzO75hQtZVAav3sEB2wI6Umi9Az3s+G7Cys/kQiQBFGO95e5hkPvI4Jq+qjFRlzQ5umAGdozmXdQOFTUTGzxcDBkUxhty+ZVDUOGAV6lqVUMgv2AWTy+gG2wHD66pQGmzKiQGDNu2SwundtvAmpIrAjVziBLnprCKjtryhn/CY70W4z0UEFFZ3Aa6zjSE2tSs/UqUBWVIZa0tiGIaZnybDkPuhQAxD39ozWZh1SLo6vq40TUczryoLzqFYQslRMDeCxrrr+IaNVNEs3NPxLftENZrjR8ycqzTSrChNxacETqb0wmZjLSEy1opMzvvu5PTDeOKsM3U10kgACXbgtYP7+zjMc405mPXr8SOaFFR3NhVgYIpclWohea8f7P7abYFmRhzTs3WcNOWaL//3/i/IUssyL9Z6+EHNWTdWzcEQ+KMZaGM1l14SuZaK9pscqPDlT4R/cuQ8CfgXrfXwKAWSVJokwyDIEhHEw/17VTKigXOlJacRHyeUh3KgeEf5NpgXkqO+hTZbIJ1wd6Cospus6opJ7PxKODe6wW/YqSQwutznUDQ27c5b+kKoq3KHmmodnH/g0H1Rb0Hk34PTcZqFCNwLvQjTLEtF5HEv2v7kv+gT94Ab418enoo0j1OVTWnNzKe1oSs+x/7Z0e5Wwnz+y+CueTotxQHwfdJQ6mfBMAkC2jrBy9giRkNZS9vzlKumNH0zU00NpdhExutmeXox3UlIpyb004j7ICDkQRInUSrS/+pmokRLLGw3Pfq5wz7Ze77nzXdfb6pnvqmcvDZteNWYugKOYyhxw6YnBkihFoc7t7374/++6Nv2K7uqwEJpDAAA&quot;"/>
-    <we:property name="initialStateBookmark" value="&quot;H4sIAAAAAAAAA+1XW0/bMBT+K5VfKFI15dKOlLfSlT1wqyhCkyYUOfZJaurGkeMUuir/fcdOd2HrgJUhmMRbco5zLt/32cdZES7KQtLlKZ0D2ScHSs3mVM9aPumQfG07Ozs6GZwfxaeDkxGaVWGEykuyvyKG6gzMpSgrKm0ENH6+6hAq5Zhm9i2lsoQOKUCXKqdSfIFmMbqMrqDuELgtpNLUhpwYasCGXeByfMfc/rsQM1JmxAImwExj5WkA3Ov7Eeux913YY7xLcVnZLHCVbVxiQ7v0Q5UbKnJMY21Rj/bD1E+ifsj8kAOEoW/tqZBmvSRZjm4Ljd1hz8vCojLgC5oz4MS1oKFsKl6RoZLV3D2N7tgnqtIMziF1rtwIs8QwBYsRnFTpuY1GakRkrBWanPfj4fHZeOKsU3Uz1IAAcbLv1Z2H6xhkmYaMmvXr6AlFcsw7jTk1NAamcjUXrNUOdn+tVoKZIsf4bB2HVb7my/+9/iu0lCLP5FoPP6i5aNoqGTUI/nBKtbGaS66RXEtF/U0OmPj6J8I/OXKeBfyr2npYN6EoqSSK+kGQRjzo9fceVMkQG86UFgxbfJpQHsuBYg3l22AuBQN9B20yB9zhbkNhZtdZ0SQT0PgVd25wja/IsUAwmtiXVFY27M4H/IKrm3wHi6odnH/g0H1RbkHk34PTcJqGQJkXel1I0jThXY953e13/qvecY84Mf7l5ilQ8xCrNMb5MotLg0d8Bu2Lg92thPnyh8F9/TRa6gWU7aGGEj8N+lEQ4NQJXscUMZrmpbA1x0xVuWmbqapKmvNNZLxNlucX072ENGoCP+kyn3IasiDqRd2EJ//VyYSBFiBtNS283EEb7S3f82a7byfVC59UTl6bJryqTFlQBmOaw4ZJjwygQi0O9057d+MnLgkiIxL50PXA/gd8vxjU9VeMFHDHkgwAAA==&quot;"/>
-    <we:property name="isFiltersActionButtonVisible" value="true"/>
-    <we:property name="isVisualContainerHeaderHidden" value="false"/>
-    <we:property name="reportEmbeddedTime" value="&quot;2024-08-09T15:59:31.741Z&quot;"/>
-    <we:property name="creatorTenantId" value="&quot;101da587-1843-4f52-8b8a-17b069c66d33&quot;"/>
-    <we:property name="creatorUserId" value="&quot;100320037B2C115B&quot;"/>
-    <we:property name="creatorSessionId" value="&quot;8ed060d2-0b8f-462e-9166-5710af8f1cc7&quot;"/>
-    <we:property name="artifactViewState" value="&quot;live&quot;"/>
-  </we:properties>
-  <we:bindings/>
-  <we:snapshot xmlns:r="http://schemas.openxmlformats.org/officeDocument/2006/relationships"/>
-</we:webextension>
-</file>
-
 <file path=customXml/item1.xml><?xml version="1.0" encoding="utf-8"?>
-<p:properties xmlns:p="http://schemas.microsoft.com/office/2006/metadata/properties" xmlns:xsi="http://www.w3.org/2001/XMLSchema-instance" xmlns:pc="http://schemas.microsoft.com/office/infopath/2007/PartnerControls">
-  <documentManagement/>
-</p:properties>
-</file>
-
-<file path=customXml/item2.xml><?xml version="1.0" encoding="utf-8"?>
 <ct:contentTypeSchema xmlns:ct="http://schemas.microsoft.com/office/2006/metadata/contentType" xmlns:ma="http://schemas.microsoft.com/office/2006/metadata/properties/metaAttributes" ct:_="" ma:_="" ma:contentTypeName="Document" ma:contentTypeID="0x0101007AC837C1461E4440A661AE5B2F8CB21D" ma:contentTypeVersion="5" ma:contentTypeDescription="Create a new document." ma:contentTypeScope="" ma:versionID="6129d95a7206d785f551e2dc79e2774a">
   <xsd:schema xmlns:xsd="http://www.w3.org/2001/XMLSchema" xmlns:xs="http://www.w3.org/2001/XMLSchema" xmlns:p="http://schemas.microsoft.com/office/2006/metadata/properties" xmlns:ns3="87709642-725b-4a98-9d3b-7d4011c74471" targetNamespace="http://schemas.microsoft.com/office/2006/metadata/properties" ma:root="true" ma:fieldsID="bc201b230367355a20b603a77d386bcb" ns3:_="">
     <xsd:import namespace="87709642-725b-4a98-9d3b-7d4011c74471"/>
@@ -7488,6 +6775,12 @@
 </ct:contentTypeSchema>
 </file>
 
+<file path=customXml/item2.xml><?xml version="1.0" encoding="utf-8"?>
+<p:properties xmlns:p="http://schemas.microsoft.com/office/2006/metadata/properties" xmlns:xsi="http://www.w3.org/2001/XMLSchema-instance" xmlns:pc="http://schemas.microsoft.com/office/infopath/2007/PartnerControls">
+  <documentManagement/>
+</p:properties>
+</file>
+
 <file path=customXml/item3.xml><?xml version="1.0" encoding="utf-8"?>
 <?mso-contentType ?>
 <FormTemplates xmlns="http://schemas.microsoft.com/sharepoint/v3/contenttype/forms">
@@ -7498,22 +6791,6 @@
 </file>
 
 <file path=customXml/itemProps1.xml><?xml version="1.0" encoding="utf-8"?>
-<ds:datastoreItem xmlns:ds="http://schemas.openxmlformats.org/officeDocument/2006/customXml" ds:itemID="{149407BD-D2E2-4150-9000-AA9DD8532548}">
-  <ds:schemaRefs>
-    <ds:schemaRef ds:uri="http://www.w3.org/XML/1998/namespace"/>
-    <ds:schemaRef ds:uri="http://schemas.microsoft.com/office/2006/documentManagement/types"/>
-    <ds:schemaRef ds:uri="http://purl.org/dc/terms/"/>
-    <ds:schemaRef ds:uri="http://schemas.microsoft.com/office/2006/metadata/properties"/>
-    <ds:schemaRef ds:uri="http://schemas.microsoft.com/office/infopath/2007/PartnerControls"/>
-    <ds:schemaRef ds:uri="http://schemas.openxmlformats.org/package/2006/metadata/core-properties"/>
-    <ds:schemaRef ds:uri="87709642-725b-4a98-9d3b-7d4011c74471"/>
-    <ds:schemaRef ds:uri="http://purl.org/dc/dcmitype/"/>
-    <ds:schemaRef ds:uri="http://purl.org/dc/elements/1.1/"/>
-  </ds:schemaRefs>
-</ds:datastoreItem>
-</file>
-
-<file path=customXml/itemProps2.xml><?xml version="1.0" encoding="utf-8"?>
 <ds:datastoreItem xmlns:ds="http://schemas.openxmlformats.org/officeDocument/2006/customXml" ds:itemID="{140F890B-F8E5-4953-BFD2-09E0C146F0C2}">
   <ds:schemaRefs>
     <ds:schemaRef ds:uri="http://schemas.microsoft.com/office/2006/metadata/contentType"/>
@@ -7531,6 +6808,22 @@
 </ds:datastoreItem>
 </file>
 
+<file path=customXml/itemProps2.xml><?xml version="1.0" encoding="utf-8"?>
+<ds:datastoreItem xmlns:ds="http://schemas.openxmlformats.org/officeDocument/2006/customXml" ds:itemID="{149407BD-D2E2-4150-9000-AA9DD8532548}">
+  <ds:schemaRefs>
+    <ds:schemaRef ds:uri="http://www.w3.org/XML/1998/namespace"/>
+    <ds:schemaRef ds:uri="http://schemas.microsoft.com/office/2006/documentManagement/types"/>
+    <ds:schemaRef ds:uri="http://purl.org/dc/terms/"/>
+    <ds:schemaRef ds:uri="http://schemas.microsoft.com/office/2006/metadata/properties"/>
+    <ds:schemaRef ds:uri="http://schemas.microsoft.com/office/infopath/2007/PartnerControls"/>
+    <ds:schemaRef ds:uri="http://schemas.openxmlformats.org/package/2006/metadata/core-properties"/>
+    <ds:schemaRef ds:uri="87709642-725b-4a98-9d3b-7d4011c74471"/>
+    <ds:schemaRef ds:uri="http://purl.org/dc/dcmitype/"/>
+    <ds:schemaRef ds:uri="http://purl.org/dc/elements/1.1/"/>
+  </ds:schemaRefs>
+</ds:datastoreItem>
+</file>
+
 <file path=customXml/itemProps3.xml><?xml version="1.0" encoding="utf-8"?>
 <ds:datastoreItem xmlns:ds="http://schemas.openxmlformats.org/officeDocument/2006/customXml" ds:itemID="{97BC657A-3B39-42FC-9CF5-79C21BEC759A}">
   <ds:schemaRefs>
